--- a/ddd/OOP与分层架构.pptx
+++ b/ddd/OOP与分层架构.pptx
@@ -21,6 +21,9 @@
   </p:sldIdLst>
   <p:sldSz cx="12192000" cy="6858000"/>
   <p:notesSz cx="7103745" cy="10234295"/>
+  <p:custDataLst>
+    <p:tags r:id="rId19"/>
+  </p:custDataLst>
   <p:defaultTextStyle>
     <a:defPPr>
       <a:defRPr lang="zh-CN"/>
@@ -2367,7 +2370,7 @@
         <a:spcBef>
           <a:spcPts val="1000"/>
         </a:spcBef>
-        <a:buFont typeface="Arial" panose="020B0604020202090204" pitchFamily="34" charset="0"/>
+        <a:buFont typeface="Arial" panose="020B0604020202020204" pitchFamily="34" charset="0"/>
         <a:buChar char="•"/>
         <a:defRPr sz="2800" kern="1200">
           <a:solidFill>
@@ -2385,7 +2388,7 @@
         <a:spcBef>
           <a:spcPts val="500"/>
         </a:spcBef>
-        <a:buFont typeface="Arial" panose="020B0604020202090204" pitchFamily="34" charset="0"/>
+        <a:buFont typeface="Arial" panose="020B0604020202020204" pitchFamily="34" charset="0"/>
         <a:buChar char="•"/>
         <a:defRPr sz="2400" kern="1200">
           <a:solidFill>
@@ -2403,7 +2406,7 @@
         <a:spcBef>
           <a:spcPts val="500"/>
         </a:spcBef>
-        <a:buFont typeface="Arial" panose="020B0604020202090204" pitchFamily="34" charset="0"/>
+        <a:buFont typeface="Arial" panose="020B0604020202020204" pitchFamily="34" charset="0"/>
         <a:buChar char="•"/>
         <a:defRPr sz="2000" kern="1200">
           <a:solidFill>
@@ -2421,7 +2424,7 @@
         <a:spcBef>
           <a:spcPts val="500"/>
         </a:spcBef>
-        <a:buFont typeface="Arial" panose="020B0604020202090204" pitchFamily="34" charset="0"/>
+        <a:buFont typeface="Arial" panose="020B0604020202020204" pitchFamily="34" charset="0"/>
         <a:buChar char="•"/>
         <a:defRPr sz="1800" kern="1200">
           <a:solidFill>
@@ -2439,7 +2442,7 @@
         <a:spcBef>
           <a:spcPts val="500"/>
         </a:spcBef>
-        <a:buFont typeface="Arial" panose="020B0604020202090204" pitchFamily="34" charset="0"/>
+        <a:buFont typeface="Arial" panose="020B0604020202020204" pitchFamily="34" charset="0"/>
         <a:buChar char="•"/>
         <a:defRPr sz="1800" kern="1200">
           <a:solidFill>
@@ -2457,7 +2460,7 @@
         <a:spcBef>
           <a:spcPts val="500"/>
         </a:spcBef>
-        <a:buFont typeface="Arial" panose="020B0604020202090204" pitchFamily="34" charset="0"/>
+        <a:buFont typeface="Arial" panose="020B0604020202020204" pitchFamily="34" charset="0"/>
         <a:buChar char="•"/>
         <a:defRPr sz="1800" kern="1200">
           <a:solidFill>
@@ -2475,7 +2478,7 @@
         <a:spcBef>
           <a:spcPts val="500"/>
         </a:spcBef>
-        <a:buFont typeface="Arial" panose="020B0604020202090204" pitchFamily="34" charset="0"/>
+        <a:buFont typeface="Arial" panose="020B0604020202020204" pitchFamily="34" charset="0"/>
         <a:buChar char="•"/>
         <a:defRPr sz="1800" kern="1200">
           <a:solidFill>
@@ -2493,7 +2496,7 @@
         <a:spcBef>
           <a:spcPts val="500"/>
         </a:spcBef>
-        <a:buFont typeface="Arial" panose="020B0604020202090204" pitchFamily="34" charset="0"/>
+        <a:buFont typeface="Arial" panose="020B0604020202020204" pitchFamily="34" charset="0"/>
         <a:buChar char="•"/>
         <a:defRPr sz="1800" kern="1200">
           <a:solidFill>
@@ -2511,7 +2514,7 @@
         <a:spcBef>
           <a:spcPts val="500"/>
         </a:spcBef>
-        <a:buFont typeface="Arial" panose="020B0604020202090204" pitchFamily="34" charset="0"/>
+        <a:buFont typeface="Arial" panose="020B0604020202020204" pitchFamily="34" charset="0"/>
         <a:buChar char="•"/>
         <a:defRPr sz="1800" kern="1200">
           <a:solidFill>
@@ -2979,7 +2982,7 @@
           <a:p>
             <a:r>
               <a:rPr lang="zh-CN" altLang="en-US"/>
-              <a:t>https://cscalfani.medium.com/goodbye-object-oriented-programming-a59cda4c0e53</a:t>
+              <a:t>infoq.cn/article/LS8EALT4yusl9YFpFkYL</a:t>
             </a:r>
             <a:endParaRPr lang="zh-CN" altLang="en-US"/>
           </a:p>
@@ -3001,6 +3004,20 @@
             <a:r>
               <a:rPr lang="zh-CN" altLang="en-US"/>
               <a:t>https://www.zhihu.com/question/307049097</a:t>
+            </a:r>
+            <a:endParaRPr lang="zh-CN" altLang="en-US"/>
+          </a:p>
+          <a:p>
+            <a:r>
+              <a:rPr lang="zh-CN" altLang="en-US"/>
+              <a:t>https://time.geekbang.org/column/article/161114</a:t>
+            </a:r>
+            <a:endParaRPr lang="zh-CN" altLang="en-US"/>
+          </a:p>
+          <a:p>
+            <a:r>
+              <a:rPr lang="zh-CN" altLang="en-US"/>
+              <a:t>https://xie.infoq.cn/article/6e3c70d130a5769720178c79c</a:t>
             </a:r>
             <a:endParaRPr lang="zh-CN" altLang="en-US"/>
           </a:p>
@@ -3925,6 +3942,12 @@
 <file path=ppt/tags/tag1.xml><?xml version="1.0" encoding="utf-8"?>
 <p:tagLst xmlns:p="http://schemas.openxmlformats.org/presentationml/2006/main">
   <p:tag name="KSO_WM_SLIDE_MODEL_TYPE" val="cover"/>
+</p:tagLst>
+</file>
+
+<file path=ppt/tags/tag2.xml><?xml version="1.0" encoding="utf-8"?>
+<p:tagLst xmlns:p="http://schemas.openxmlformats.org/presentationml/2006/main">
+  <p:tag name="COMMONDATA" val="eyJoZGlkIjoiYmI1ZWMzZGQwODg4MWMwMjdiYjYzZWY2NjBhMDk0NzAifQ=="/>
 </p:tagLst>
 </file>
 
